--- a/ppt 16-9/0928.跟从主不回头.pptx
+++ b/ppt 16-9/0928.跟从主不回头.pptx
@@ -129,7 +129,7 @@
           <p:cNvPr id="2" name="标题 1">
             <a:extLst>
               <a:ext uri="{FF2B5EF4-FFF2-40B4-BE49-F238E27FC236}">
-                <a16:creationId xmlns:a16="http://schemas.microsoft.com/office/drawing/2014/main" id="{F9B3CA6C-8AF2-2487-1851-BBF8313DB1DE}"/>
+                <a16:creationId xmlns:a16="http://schemas.microsoft.com/office/drawing/2014/main" id="{CF7640AB-737D-EC86-9AC8-125CD300C96B}"/>
               </a:ext>
             </a:extLst>
           </p:cNvPr>
@@ -166,7 +166,7 @@
           <p:cNvPr id="3" name="副标题 2">
             <a:extLst>
               <a:ext uri="{FF2B5EF4-FFF2-40B4-BE49-F238E27FC236}">
-                <a16:creationId xmlns:a16="http://schemas.microsoft.com/office/drawing/2014/main" id="{BC108B0B-C82D-12B1-091B-50D4F727DDC6}"/>
+                <a16:creationId xmlns:a16="http://schemas.microsoft.com/office/drawing/2014/main" id="{A2810B43-FE86-F269-81E7-043B646F534A}"/>
               </a:ext>
             </a:extLst>
           </p:cNvPr>
@@ -236,7 +236,7 @@
           <p:cNvPr id="4" name="日期占位符 3">
             <a:extLst>
               <a:ext uri="{FF2B5EF4-FFF2-40B4-BE49-F238E27FC236}">
-                <a16:creationId xmlns:a16="http://schemas.microsoft.com/office/drawing/2014/main" id="{033C9034-B3F6-9BD8-6124-29D67663C53F}"/>
+                <a16:creationId xmlns:a16="http://schemas.microsoft.com/office/drawing/2014/main" id="{7E3A62F6-8590-81FF-2847-F65DAB5619DB}"/>
               </a:ext>
             </a:extLst>
           </p:cNvPr>
@@ -252,7 +252,7 @@
           <a:bodyPr/>
           <a:lstStyle/>
           <a:p>
-            <a:fld id="{D4EA22F5-A419-4041-BF06-4B7F2545F4E0}" type="datetimeFigureOut">
+            <a:fld id="{2703484D-F01A-442E-B047-0F562408840B}" type="datetimeFigureOut">
               <a:rPr lang="zh-CN" altLang="en-US" smtClean="0"/>
               <a:t>2024/3/10</a:t>
             </a:fld>
@@ -265,7 +265,7 @@
           <p:cNvPr id="5" name="页脚占位符 4">
             <a:extLst>
               <a:ext uri="{FF2B5EF4-FFF2-40B4-BE49-F238E27FC236}">
-                <a16:creationId xmlns:a16="http://schemas.microsoft.com/office/drawing/2014/main" id="{515A5E10-FAEF-A70F-3EC0-554496C4A219}"/>
+                <a16:creationId xmlns:a16="http://schemas.microsoft.com/office/drawing/2014/main" id="{840BC2AB-E021-7D2E-41F8-EA69547A635A}"/>
               </a:ext>
             </a:extLst>
           </p:cNvPr>
@@ -290,7 +290,7 @@
           <p:cNvPr id="6" name="灯片编号占位符 5">
             <a:extLst>
               <a:ext uri="{FF2B5EF4-FFF2-40B4-BE49-F238E27FC236}">
-                <a16:creationId xmlns:a16="http://schemas.microsoft.com/office/drawing/2014/main" id="{DE3EF484-97FE-B95A-1CF7-B22B11BA89AF}"/>
+                <a16:creationId xmlns:a16="http://schemas.microsoft.com/office/drawing/2014/main" id="{BF878980-B91A-885B-88B3-5E20396F5C1B}"/>
               </a:ext>
             </a:extLst>
           </p:cNvPr>
@@ -306,7 +306,7 @@
           <a:bodyPr/>
           <a:lstStyle/>
           <a:p>
-            <a:fld id="{C4495F27-AC8D-4AF3-806C-F80CCE7F514B}" type="slidenum">
+            <a:fld id="{E17711D4-0405-49A1-8B1F-CE00E3C8947B}" type="slidenum">
               <a:rPr lang="zh-CN" altLang="en-US" smtClean="0"/>
               <a:t>‹#›</a:t>
             </a:fld>
@@ -317,7 +317,7 @@
     </p:spTree>
     <p:extLst>
       <p:ext uri="{BB962C8B-B14F-4D97-AF65-F5344CB8AC3E}">
-        <p14:creationId xmlns:p14="http://schemas.microsoft.com/office/powerpoint/2010/main" val="3502651517"/>
+        <p14:creationId xmlns:p14="http://schemas.microsoft.com/office/powerpoint/2010/main" val="2240333988"/>
       </p:ext>
     </p:extLst>
   </p:cSld>
@@ -349,7 +349,7 @@
           <p:cNvPr id="2" name="标题 1">
             <a:extLst>
               <a:ext uri="{FF2B5EF4-FFF2-40B4-BE49-F238E27FC236}">
-                <a16:creationId xmlns:a16="http://schemas.microsoft.com/office/drawing/2014/main" id="{BBD90DB6-0011-56AB-5B00-285A02D5F741}"/>
+                <a16:creationId xmlns:a16="http://schemas.microsoft.com/office/drawing/2014/main" id="{5CEE33DD-144C-AAC8-03AE-1710C945DE32}"/>
               </a:ext>
             </a:extLst>
           </p:cNvPr>
@@ -377,7 +377,7 @@
           <p:cNvPr id="3" name="竖排文字占位符 2">
             <a:extLst>
               <a:ext uri="{FF2B5EF4-FFF2-40B4-BE49-F238E27FC236}">
-                <a16:creationId xmlns:a16="http://schemas.microsoft.com/office/drawing/2014/main" id="{7649FDF7-A473-7235-7120-2C2F075B6570}"/>
+                <a16:creationId xmlns:a16="http://schemas.microsoft.com/office/drawing/2014/main" id="{5A49E9A9-4F9F-9579-E7AF-FD4418FF5BFD}"/>
               </a:ext>
             </a:extLst>
           </p:cNvPr>
@@ -434,7 +434,7 @@
           <p:cNvPr id="4" name="日期占位符 3">
             <a:extLst>
               <a:ext uri="{FF2B5EF4-FFF2-40B4-BE49-F238E27FC236}">
-                <a16:creationId xmlns:a16="http://schemas.microsoft.com/office/drawing/2014/main" id="{960C52A5-49DA-E7E5-D786-704477E0D8AF}"/>
+                <a16:creationId xmlns:a16="http://schemas.microsoft.com/office/drawing/2014/main" id="{41ADADA2-4D4B-20C0-9C46-1F5FC3E73154}"/>
               </a:ext>
             </a:extLst>
           </p:cNvPr>
@@ -450,7 +450,7 @@
           <a:bodyPr/>
           <a:lstStyle/>
           <a:p>
-            <a:fld id="{D4EA22F5-A419-4041-BF06-4B7F2545F4E0}" type="datetimeFigureOut">
+            <a:fld id="{2703484D-F01A-442E-B047-0F562408840B}" type="datetimeFigureOut">
               <a:rPr lang="zh-CN" altLang="en-US" smtClean="0"/>
               <a:t>2024/3/10</a:t>
             </a:fld>
@@ -463,7 +463,7 @@
           <p:cNvPr id="5" name="页脚占位符 4">
             <a:extLst>
               <a:ext uri="{FF2B5EF4-FFF2-40B4-BE49-F238E27FC236}">
-                <a16:creationId xmlns:a16="http://schemas.microsoft.com/office/drawing/2014/main" id="{1323C4BD-4F88-6027-2B25-99A9BA517CA9}"/>
+                <a16:creationId xmlns:a16="http://schemas.microsoft.com/office/drawing/2014/main" id="{B8B08787-7C15-51BC-BFEA-8A0859568162}"/>
               </a:ext>
             </a:extLst>
           </p:cNvPr>
@@ -488,7 +488,7 @@
           <p:cNvPr id="6" name="灯片编号占位符 5">
             <a:extLst>
               <a:ext uri="{FF2B5EF4-FFF2-40B4-BE49-F238E27FC236}">
-                <a16:creationId xmlns:a16="http://schemas.microsoft.com/office/drawing/2014/main" id="{2D4BA0B6-2F05-DF3E-F54F-0FBFEA742390}"/>
+                <a16:creationId xmlns:a16="http://schemas.microsoft.com/office/drawing/2014/main" id="{F2DBFEBD-7545-B57D-097B-5EEC40E164E9}"/>
               </a:ext>
             </a:extLst>
           </p:cNvPr>
@@ -504,7 +504,7 @@
           <a:bodyPr/>
           <a:lstStyle/>
           <a:p>
-            <a:fld id="{C4495F27-AC8D-4AF3-806C-F80CCE7F514B}" type="slidenum">
+            <a:fld id="{E17711D4-0405-49A1-8B1F-CE00E3C8947B}" type="slidenum">
               <a:rPr lang="zh-CN" altLang="en-US" smtClean="0"/>
               <a:t>‹#›</a:t>
             </a:fld>
@@ -515,7 +515,7 @@
     </p:spTree>
     <p:extLst>
       <p:ext uri="{BB962C8B-B14F-4D97-AF65-F5344CB8AC3E}">
-        <p14:creationId xmlns:p14="http://schemas.microsoft.com/office/powerpoint/2010/main" val="1741325492"/>
+        <p14:creationId xmlns:p14="http://schemas.microsoft.com/office/powerpoint/2010/main" val="1722099550"/>
       </p:ext>
     </p:extLst>
   </p:cSld>
@@ -547,7 +547,7 @@
           <p:cNvPr id="2" name="竖排标题 1">
             <a:extLst>
               <a:ext uri="{FF2B5EF4-FFF2-40B4-BE49-F238E27FC236}">
-                <a16:creationId xmlns:a16="http://schemas.microsoft.com/office/drawing/2014/main" id="{5BE598FA-D931-92F8-B406-9BAEEE4CA9AE}"/>
+                <a16:creationId xmlns:a16="http://schemas.microsoft.com/office/drawing/2014/main" id="{061DC19E-0220-C1F0-2F2E-2A380360FC6D}"/>
               </a:ext>
             </a:extLst>
           </p:cNvPr>
@@ -580,7 +580,7 @@
           <p:cNvPr id="3" name="竖排文字占位符 2">
             <a:extLst>
               <a:ext uri="{FF2B5EF4-FFF2-40B4-BE49-F238E27FC236}">
-                <a16:creationId xmlns:a16="http://schemas.microsoft.com/office/drawing/2014/main" id="{D4ED36FB-B6D8-1A90-1443-78D006D57FC3}"/>
+                <a16:creationId xmlns:a16="http://schemas.microsoft.com/office/drawing/2014/main" id="{19279FC1-3256-EA65-E50A-018CE28E278C}"/>
               </a:ext>
             </a:extLst>
           </p:cNvPr>
@@ -642,7 +642,7 @@
           <p:cNvPr id="4" name="日期占位符 3">
             <a:extLst>
               <a:ext uri="{FF2B5EF4-FFF2-40B4-BE49-F238E27FC236}">
-                <a16:creationId xmlns:a16="http://schemas.microsoft.com/office/drawing/2014/main" id="{27BF10FB-051B-B979-9252-C617FF931236}"/>
+                <a16:creationId xmlns:a16="http://schemas.microsoft.com/office/drawing/2014/main" id="{3411AC2E-952D-A557-CDAD-81C2C387F1EC}"/>
               </a:ext>
             </a:extLst>
           </p:cNvPr>
@@ -658,7 +658,7 @@
           <a:bodyPr/>
           <a:lstStyle/>
           <a:p>
-            <a:fld id="{D4EA22F5-A419-4041-BF06-4B7F2545F4E0}" type="datetimeFigureOut">
+            <a:fld id="{2703484D-F01A-442E-B047-0F562408840B}" type="datetimeFigureOut">
               <a:rPr lang="zh-CN" altLang="en-US" smtClean="0"/>
               <a:t>2024/3/10</a:t>
             </a:fld>
@@ -671,7 +671,7 @@
           <p:cNvPr id="5" name="页脚占位符 4">
             <a:extLst>
               <a:ext uri="{FF2B5EF4-FFF2-40B4-BE49-F238E27FC236}">
-                <a16:creationId xmlns:a16="http://schemas.microsoft.com/office/drawing/2014/main" id="{A50537E8-BBD2-4255-6FD4-57A77C4424AE}"/>
+                <a16:creationId xmlns:a16="http://schemas.microsoft.com/office/drawing/2014/main" id="{BF75F039-520E-566F-95BE-AAAB165E187D}"/>
               </a:ext>
             </a:extLst>
           </p:cNvPr>
@@ -696,7 +696,7 @@
           <p:cNvPr id="6" name="灯片编号占位符 5">
             <a:extLst>
               <a:ext uri="{FF2B5EF4-FFF2-40B4-BE49-F238E27FC236}">
-                <a16:creationId xmlns:a16="http://schemas.microsoft.com/office/drawing/2014/main" id="{EA6CACB5-B340-6B1B-EC0E-AEDF9B987862}"/>
+                <a16:creationId xmlns:a16="http://schemas.microsoft.com/office/drawing/2014/main" id="{D2F96575-2742-7724-6B1E-12804631CEE5}"/>
               </a:ext>
             </a:extLst>
           </p:cNvPr>
@@ -712,7 +712,7 @@
           <a:bodyPr/>
           <a:lstStyle/>
           <a:p>
-            <a:fld id="{C4495F27-AC8D-4AF3-806C-F80CCE7F514B}" type="slidenum">
+            <a:fld id="{E17711D4-0405-49A1-8B1F-CE00E3C8947B}" type="slidenum">
               <a:rPr lang="zh-CN" altLang="en-US" smtClean="0"/>
               <a:t>‹#›</a:t>
             </a:fld>
@@ -723,7 +723,7 @@
     </p:spTree>
     <p:extLst>
       <p:ext uri="{BB962C8B-B14F-4D97-AF65-F5344CB8AC3E}">
-        <p14:creationId xmlns:p14="http://schemas.microsoft.com/office/powerpoint/2010/main" val="574449733"/>
+        <p14:creationId xmlns:p14="http://schemas.microsoft.com/office/powerpoint/2010/main" val="3454474679"/>
       </p:ext>
     </p:extLst>
   </p:cSld>
@@ -755,7 +755,7 @@
           <p:cNvPr id="2" name="标题 1">
             <a:extLst>
               <a:ext uri="{FF2B5EF4-FFF2-40B4-BE49-F238E27FC236}">
-                <a16:creationId xmlns:a16="http://schemas.microsoft.com/office/drawing/2014/main" id="{55485CC0-0406-3C48-039C-0D2F4EE0F8B1}"/>
+                <a16:creationId xmlns:a16="http://schemas.microsoft.com/office/drawing/2014/main" id="{7A2B2B23-4995-9FCF-EFFE-F8D8418D5029}"/>
               </a:ext>
             </a:extLst>
           </p:cNvPr>
@@ -783,7 +783,7 @@
           <p:cNvPr id="3" name="内容占位符 2">
             <a:extLst>
               <a:ext uri="{FF2B5EF4-FFF2-40B4-BE49-F238E27FC236}">
-                <a16:creationId xmlns:a16="http://schemas.microsoft.com/office/drawing/2014/main" id="{12CC296A-174E-AE67-DE5C-EBC073B91EC4}"/>
+                <a16:creationId xmlns:a16="http://schemas.microsoft.com/office/drawing/2014/main" id="{ABAF764B-F509-1FF1-3622-2CC63B57A255}"/>
               </a:ext>
             </a:extLst>
           </p:cNvPr>
@@ -840,7 +840,7 @@
           <p:cNvPr id="4" name="日期占位符 3">
             <a:extLst>
               <a:ext uri="{FF2B5EF4-FFF2-40B4-BE49-F238E27FC236}">
-                <a16:creationId xmlns:a16="http://schemas.microsoft.com/office/drawing/2014/main" id="{B5361280-D951-CF48-FB97-F09184D29DFC}"/>
+                <a16:creationId xmlns:a16="http://schemas.microsoft.com/office/drawing/2014/main" id="{C9125FE1-237B-1C9C-55E2-0459CF78A6AC}"/>
               </a:ext>
             </a:extLst>
           </p:cNvPr>
@@ -856,7 +856,7 @@
           <a:bodyPr/>
           <a:lstStyle/>
           <a:p>
-            <a:fld id="{D4EA22F5-A419-4041-BF06-4B7F2545F4E0}" type="datetimeFigureOut">
+            <a:fld id="{2703484D-F01A-442E-B047-0F562408840B}" type="datetimeFigureOut">
               <a:rPr lang="zh-CN" altLang="en-US" smtClean="0"/>
               <a:t>2024/3/10</a:t>
             </a:fld>
@@ -869,7 +869,7 @@
           <p:cNvPr id="5" name="页脚占位符 4">
             <a:extLst>
               <a:ext uri="{FF2B5EF4-FFF2-40B4-BE49-F238E27FC236}">
-                <a16:creationId xmlns:a16="http://schemas.microsoft.com/office/drawing/2014/main" id="{B2B17FC7-5BBD-A2A7-E361-396E25BD9B4F}"/>
+                <a16:creationId xmlns:a16="http://schemas.microsoft.com/office/drawing/2014/main" id="{C554F17A-EA83-00A6-9181-5415C500A32E}"/>
               </a:ext>
             </a:extLst>
           </p:cNvPr>
@@ -894,7 +894,7 @@
           <p:cNvPr id="6" name="灯片编号占位符 5">
             <a:extLst>
               <a:ext uri="{FF2B5EF4-FFF2-40B4-BE49-F238E27FC236}">
-                <a16:creationId xmlns:a16="http://schemas.microsoft.com/office/drawing/2014/main" id="{6A714157-E573-73E7-064B-0DAC774E7609}"/>
+                <a16:creationId xmlns:a16="http://schemas.microsoft.com/office/drawing/2014/main" id="{8F3726D2-CD2B-4F67-0B90-E80719091E99}"/>
               </a:ext>
             </a:extLst>
           </p:cNvPr>
@@ -910,7 +910,7 @@
           <a:bodyPr/>
           <a:lstStyle/>
           <a:p>
-            <a:fld id="{C4495F27-AC8D-4AF3-806C-F80CCE7F514B}" type="slidenum">
+            <a:fld id="{E17711D4-0405-49A1-8B1F-CE00E3C8947B}" type="slidenum">
               <a:rPr lang="zh-CN" altLang="en-US" smtClean="0"/>
               <a:t>‹#›</a:t>
             </a:fld>
@@ -921,7 +921,7 @@
     </p:spTree>
     <p:extLst>
       <p:ext uri="{BB962C8B-B14F-4D97-AF65-F5344CB8AC3E}">
-        <p14:creationId xmlns:p14="http://schemas.microsoft.com/office/powerpoint/2010/main" val="51488028"/>
+        <p14:creationId xmlns:p14="http://schemas.microsoft.com/office/powerpoint/2010/main" val="3756865240"/>
       </p:ext>
     </p:extLst>
   </p:cSld>
@@ -953,7 +953,7 @@
           <p:cNvPr id="2" name="标题 1">
             <a:extLst>
               <a:ext uri="{FF2B5EF4-FFF2-40B4-BE49-F238E27FC236}">
-                <a16:creationId xmlns:a16="http://schemas.microsoft.com/office/drawing/2014/main" id="{C57CF0EA-E9D3-24F4-7411-C1FDCDA40C32}"/>
+                <a16:creationId xmlns:a16="http://schemas.microsoft.com/office/drawing/2014/main" id="{017F4A11-9FF6-48E2-7662-B58BB3351409}"/>
               </a:ext>
             </a:extLst>
           </p:cNvPr>
@@ -990,7 +990,7 @@
           <p:cNvPr id="3" name="文本占位符 2">
             <a:extLst>
               <a:ext uri="{FF2B5EF4-FFF2-40B4-BE49-F238E27FC236}">
-                <a16:creationId xmlns:a16="http://schemas.microsoft.com/office/drawing/2014/main" id="{1BAB9DD1-3719-D7D6-1DE9-23366D766433}"/>
+                <a16:creationId xmlns:a16="http://schemas.microsoft.com/office/drawing/2014/main" id="{F5D50ECC-6ADE-C712-B28C-37C51E6DF236}"/>
               </a:ext>
             </a:extLst>
           </p:cNvPr>
@@ -1115,7 +1115,7 @@
           <p:cNvPr id="4" name="日期占位符 3">
             <a:extLst>
               <a:ext uri="{FF2B5EF4-FFF2-40B4-BE49-F238E27FC236}">
-                <a16:creationId xmlns:a16="http://schemas.microsoft.com/office/drawing/2014/main" id="{7C51029B-3755-2EBF-FBF5-8F8704E4E3E1}"/>
+                <a16:creationId xmlns:a16="http://schemas.microsoft.com/office/drawing/2014/main" id="{AAD007D0-23DF-ADFD-85D5-2C272148E6B6}"/>
               </a:ext>
             </a:extLst>
           </p:cNvPr>
@@ -1131,7 +1131,7 @@
           <a:bodyPr/>
           <a:lstStyle/>
           <a:p>
-            <a:fld id="{D4EA22F5-A419-4041-BF06-4B7F2545F4E0}" type="datetimeFigureOut">
+            <a:fld id="{2703484D-F01A-442E-B047-0F562408840B}" type="datetimeFigureOut">
               <a:rPr lang="zh-CN" altLang="en-US" smtClean="0"/>
               <a:t>2024/3/10</a:t>
             </a:fld>
@@ -1144,7 +1144,7 @@
           <p:cNvPr id="5" name="页脚占位符 4">
             <a:extLst>
               <a:ext uri="{FF2B5EF4-FFF2-40B4-BE49-F238E27FC236}">
-                <a16:creationId xmlns:a16="http://schemas.microsoft.com/office/drawing/2014/main" id="{A4679EBC-FB99-B612-7E09-089DC7F2894D}"/>
+                <a16:creationId xmlns:a16="http://schemas.microsoft.com/office/drawing/2014/main" id="{FC77B8FD-D13D-81F2-1384-D557F98A564C}"/>
               </a:ext>
             </a:extLst>
           </p:cNvPr>
@@ -1169,7 +1169,7 @@
           <p:cNvPr id="6" name="灯片编号占位符 5">
             <a:extLst>
               <a:ext uri="{FF2B5EF4-FFF2-40B4-BE49-F238E27FC236}">
-                <a16:creationId xmlns:a16="http://schemas.microsoft.com/office/drawing/2014/main" id="{8C03D99E-619E-5E39-9C9D-7C3E9D417FC2}"/>
+                <a16:creationId xmlns:a16="http://schemas.microsoft.com/office/drawing/2014/main" id="{CA758E87-65B0-9042-21DA-232B3A1A022E}"/>
               </a:ext>
             </a:extLst>
           </p:cNvPr>
@@ -1185,7 +1185,7 @@
           <a:bodyPr/>
           <a:lstStyle/>
           <a:p>
-            <a:fld id="{C4495F27-AC8D-4AF3-806C-F80CCE7F514B}" type="slidenum">
+            <a:fld id="{E17711D4-0405-49A1-8B1F-CE00E3C8947B}" type="slidenum">
               <a:rPr lang="zh-CN" altLang="en-US" smtClean="0"/>
               <a:t>‹#›</a:t>
             </a:fld>
@@ -1196,7 +1196,7 @@
     </p:spTree>
     <p:extLst>
       <p:ext uri="{BB962C8B-B14F-4D97-AF65-F5344CB8AC3E}">
-        <p14:creationId xmlns:p14="http://schemas.microsoft.com/office/powerpoint/2010/main" val="3576865043"/>
+        <p14:creationId xmlns:p14="http://schemas.microsoft.com/office/powerpoint/2010/main" val="1258384744"/>
       </p:ext>
     </p:extLst>
   </p:cSld>
@@ -1228,7 +1228,7 @@
           <p:cNvPr id="2" name="标题 1">
             <a:extLst>
               <a:ext uri="{FF2B5EF4-FFF2-40B4-BE49-F238E27FC236}">
-                <a16:creationId xmlns:a16="http://schemas.microsoft.com/office/drawing/2014/main" id="{1733ABFE-D730-DAE0-7DCD-D7FCAC0C261A}"/>
+                <a16:creationId xmlns:a16="http://schemas.microsoft.com/office/drawing/2014/main" id="{E61E6DB9-BE36-C38E-8845-1B73C0E2CAD2}"/>
               </a:ext>
             </a:extLst>
           </p:cNvPr>
@@ -1256,7 +1256,7 @@
           <p:cNvPr id="3" name="内容占位符 2">
             <a:extLst>
               <a:ext uri="{FF2B5EF4-FFF2-40B4-BE49-F238E27FC236}">
-                <a16:creationId xmlns:a16="http://schemas.microsoft.com/office/drawing/2014/main" id="{7C00E44C-11C1-17FC-B880-CFE27338AC50}"/>
+                <a16:creationId xmlns:a16="http://schemas.microsoft.com/office/drawing/2014/main" id="{4E75E6B1-CA62-2FE8-0439-45F8AA67791A}"/>
               </a:ext>
             </a:extLst>
           </p:cNvPr>
@@ -1318,7 +1318,7 @@
           <p:cNvPr id="4" name="内容占位符 3">
             <a:extLst>
               <a:ext uri="{FF2B5EF4-FFF2-40B4-BE49-F238E27FC236}">
-                <a16:creationId xmlns:a16="http://schemas.microsoft.com/office/drawing/2014/main" id="{773A732D-FE95-C5DA-5595-E1203432D476}"/>
+                <a16:creationId xmlns:a16="http://schemas.microsoft.com/office/drawing/2014/main" id="{5D95E75A-1AEC-A008-1EF7-0834653562E1}"/>
               </a:ext>
             </a:extLst>
           </p:cNvPr>
@@ -1380,7 +1380,7 @@
           <p:cNvPr id="5" name="日期占位符 4">
             <a:extLst>
               <a:ext uri="{FF2B5EF4-FFF2-40B4-BE49-F238E27FC236}">
-                <a16:creationId xmlns:a16="http://schemas.microsoft.com/office/drawing/2014/main" id="{BB63CF7C-81B6-87BE-58BA-E92716978D98}"/>
+                <a16:creationId xmlns:a16="http://schemas.microsoft.com/office/drawing/2014/main" id="{2CB85295-A9BF-4FE2-C895-EA0AABF9D571}"/>
               </a:ext>
             </a:extLst>
           </p:cNvPr>
@@ -1396,7 +1396,7 @@
           <a:bodyPr/>
           <a:lstStyle/>
           <a:p>
-            <a:fld id="{D4EA22F5-A419-4041-BF06-4B7F2545F4E0}" type="datetimeFigureOut">
+            <a:fld id="{2703484D-F01A-442E-B047-0F562408840B}" type="datetimeFigureOut">
               <a:rPr lang="zh-CN" altLang="en-US" smtClean="0"/>
               <a:t>2024/3/10</a:t>
             </a:fld>
@@ -1409,7 +1409,7 @@
           <p:cNvPr id="6" name="页脚占位符 5">
             <a:extLst>
               <a:ext uri="{FF2B5EF4-FFF2-40B4-BE49-F238E27FC236}">
-                <a16:creationId xmlns:a16="http://schemas.microsoft.com/office/drawing/2014/main" id="{99078881-472F-41CD-74FD-4D5BCB3504D7}"/>
+                <a16:creationId xmlns:a16="http://schemas.microsoft.com/office/drawing/2014/main" id="{B2CA1FE8-25CA-720F-A92E-2A4F8FC5CBA9}"/>
               </a:ext>
             </a:extLst>
           </p:cNvPr>
@@ -1434,7 +1434,7 @@
           <p:cNvPr id="7" name="灯片编号占位符 6">
             <a:extLst>
               <a:ext uri="{FF2B5EF4-FFF2-40B4-BE49-F238E27FC236}">
-                <a16:creationId xmlns:a16="http://schemas.microsoft.com/office/drawing/2014/main" id="{448D8D7B-D4F5-19E4-33A3-F63F68010EC1}"/>
+                <a16:creationId xmlns:a16="http://schemas.microsoft.com/office/drawing/2014/main" id="{065B9D01-C864-A814-FCBD-CB7A9B55EA60}"/>
               </a:ext>
             </a:extLst>
           </p:cNvPr>
@@ -1450,7 +1450,7 @@
           <a:bodyPr/>
           <a:lstStyle/>
           <a:p>
-            <a:fld id="{C4495F27-AC8D-4AF3-806C-F80CCE7F514B}" type="slidenum">
+            <a:fld id="{E17711D4-0405-49A1-8B1F-CE00E3C8947B}" type="slidenum">
               <a:rPr lang="zh-CN" altLang="en-US" smtClean="0"/>
               <a:t>‹#›</a:t>
             </a:fld>
@@ -1461,7 +1461,7 @@
     </p:spTree>
     <p:extLst>
       <p:ext uri="{BB962C8B-B14F-4D97-AF65-F5344CB8AC3E}">
-        <p14:creationId xmlns:p14="http://schemas.microsoft.com/office/powerpoint/2010/main" val="343155465"/>
+        <p14:creationId xmlns:p14="http://schemas.microsoft.com/office/powerpoint/2010/main" val="438407366"/>
       </p:ext>
     </p:extLst>
   </p:cSld>
@@ -1493,7 +1493,7 @@
           <p:cNvPr id="2" name="标题 1">
             <a:extLst>
               <a:ext uri="{FF2B5EF4-FFF2-40B4-BE49-F238E27FC236}">
-                <a16:creationId xmlns:a16="http://schemas.microsoft.com/office/drawing/2014/main" id="{A808FE47-2D73-2FE2-A8EC-DF4F703EFE82}"/>
+                <a16:creationId xmlns:a16="http://schemas.microsoft.com/office/drawing/2014/main" id="{848184FC-0D01-59A0-76D8-25BE16717FFB}"/>
               </a:ext>
             </a:extLst>
           </p:cNvPr>
@@ -1526,7 +1526,7 @@
           <p:cNvPr id="3" name="文本占位符 2">
             <a:extLst>
               <a:ext uri="{FF2B5EF4-FFF2-40B4-BE49-F238E27FC236}">
-                <a16:creationId xmlns:a16="http://schemas.microsoft.com/office/drawing/2014/main" id="{4EF2391E-797B-F1D0-7F6A-E9619ACAEE35}"/>
+                <a16:creationId xmlns:a16="http://schemas.microsoft.com/office/drawing/2014/main" id="{C13DAF32-A353-8858-12EE-1A767384B11B}"/>
               </a:ext>
             </a:extLst>
           </p:cNvPr>
@@ -1597,7 +1597,7 @@
           <p:cNvPr id="4" name="内容占位符 3">
             <a:extLst>
               <a:ext uri="{FF2B5EF4-FFF2-40B4-BE49-F238E27FC236}">
-                <a16:creationId xmlns:a16="http://schemas.microsoft.com/office/drawing/2014/main" id="{E2DDA1E8-A880-802D-7F18-9E9A1CF7248A}"/>
+                <a16:creationId xmlns:a16="http://schemas.microsoft.com/office/drawing/2014/main" id="{49424F11-E419-47AB-A157-A108A4F201BC}"/>
               </a:ext>
             </a:extLst>
           </p:cNvPr>
@@ -1659,7 +1659,7 @@
           <p:cNvPr id="5" name="文本占位符 4">
             <a:extLst>
               <a:ext uri="{FF2B5EF4-FFF2-40B4-BE49-F238E27FC236}">
-                <a16:creationId xmlns:a16="http://schemas.microsoft.com/office/drawing/2014/main" id="{F2FB47E3-DDFB-AA44-9D03-3532094168EA}"/>
+                <a16:creationId xmlns:a16="http://schemas.microsoft.com/office/drawing/2014/main" id="{6014EAB2-89E6-EFB3-1ED8-6188A8CF2209}"/>
               </a:ext>
             </a:extLst>
           </p:cNvPr>
@@ -1730,7 +1730,7 @@
           <p:cNvPr id="6" name="内容占位符 5">
             <a:extLst>
               <a:ext uri="{FF2B5EF4-FFF2-40B4-BE49-F238E27FC236}">
-                <a16:creationId xmlns:a16="http://schemas.microsoft.com/office/drawing/2014/main" id="{D1AB45DA-9757-8C82-D697-D21EA6B59C9A}"/>
+                <a16:creationId xmlns:a16="http://schemas.microsoft.com/office/drawing/2014/main" id="{326A3B0B-739D-5325-7450-1C83AD7F36B8}"/>
               </a:ext>
             </a:extLst>
           </p:cNvPr>
@@ -1792,7 +1792,7 @@
           <p:cNvPr id="7" name="日期占位符 6">
             <a:extLst>
               <a:ext uri="{FF2B5EF4-FFF2-40B4-BE49-F238E27FC236}">
-                <a16:creationId xmlns:a16="http://schemas.microsoft.com/office/drawing/2014/main" id="{72240E0E-6963-02D2-E0AB-74BB54D051FE}"/>
+                <a16:creationId xmlns:a16="http://schemas.microsoft.com/office/drawing/2014/main" id="{BD81B712-5DFD-F504-DA3D-2F20377A9538}"/>
               </a:ext>
             </a:extLst>
           </p:cNvPr>
@@ -1808,7 +1808,7 @@
           <a:bodyPr/>
           <a:lstStyle/>
           <a:p>
-            <a:fld id="{D4EA22F5-A419-4041-BF06-4B7F2545F4E0}" type="datetimeFigureOut">
+            <a:fld id="{2703484D-F01A-442E-B047-0F562408840B}" type="datetimeFigureOut">
               <a:rPr lang="zh-CN" altLang="en-US" smtClean="0"/>
               <a:t>2024/3/10</a:t>
             </a:fld>
@@ -1821,7 +1821,7 @@
           <p:cNvPr id="8" name="页脚占位符 7">
             <a:extLst>
               <a:ext uri="{FF2B5EF4-FFF2-40B4-BE49-F238E27FC236}">
-                <a16:creationId xmlns:a16="http://schemas.microsoft.com/office/drawing/2014/main" id="{F19B421B-20FD-1C26-39E3-E9EBB8AC9A89}"/>
+                <a16:creationId xmlns:a16="http://schemas.microsoft.com/office/drawing/2014/main" id="{D169EC4B-16D1-60D7-309A-474C7603B6D0}"/>
               </a:ext>
             </a:extLst>
           </p:cNvPr>
@@ -1846,7 +1846,7 @@
           <p:cNvPr id="9" name="灯片编号占位符 8">
             <a:extLst>
               <a:ext uri="{FF2B5EF4-FFF2-40B4-BE49-F238E27FC236}">
-                <a16:creationId xmlns:a16="http://schemas.microsoft.com/office/drawing/2014/main" id="{8C00ABF7-25C6-3FBE-E151-B6D2865CC392}"/>
+                <a16:creationId xmlns:a16="http://schemas.microsoft.com/office/drawing/2014/main" id="{69A510FB-93DB-869E-C6A0-181A8B0DBBF4}"/>
               </a:ext>
             </a:extLst>
           </p:cNvPr>
@@ -1862,7 +1862,7 @@
           <a:bodyPr/>
           <a:lstStyle/>
           <a:p>
-            <a:fld id="{C4495F27-AC8D-4AF3-806C-F80CCE7F514B}" type="slidenum">
+            <a:fld id="{E17711D4-0405-49A1-8B1F-CE00E3C8947B}" type="slidenum">
               <a:rPr lang="zh-CN" altLang="en-US" smtClean="0"/>
               <a:t>‹#›</a:t>
             </a:fld>
@@ -1873,7 +1873,7 @@
     </p:spTree>
     <p:extLst>
       <p:ext uri="{BB962C8B-B14F-4D97-AF65-F5344CB8AC3E}">
-        <p14:creationId xmlns:p14="http://schemas.microsoft.com/office/powerpoint/2010/main" val="2758809328"/>
+        <p14:creationId xmlns:p14="http://schemas.microsoft.com/office/powerpoint/2010/main" val="1269599698"/>
       </p:ext>
     </p:extLst>
   </p:cSld>
@@ -1905,7 +1905,7 @@
           <p:cNvPr id="2" name="标题 1">
             <a:extLst>
               <a:ext uri="{FF2B5EF4-FFF2-40B4-BE49-F238E27FC236}">
-                <a16:creationId xmlns:a16="http://schemas.microsoft.com/office/drawing/2014/main" id="{6C3B73C7-9582-9A14-3D8E-A232161B02FD}"/>
+                <a16:creationId xmlns:a16="http://schemas.microsoft.com/office/drawing/2014/main" id="{74AD6C4A-21D1-C924-208F-535783B78BE0}"/>
               </a:ext>
             </a:extLst>
           </p:cNvPr>
@@ -1933,7 +1933,7 @@
           <p:cNvPr id="3" name="日期占位符 2">
             <a:extLst>
               <a:ext uri="{FF2B5EF4-FFF2-40B4-BE49-F238E27FC236}">
-                <a16:creationId xmlns:a16="http://schemas.microsoft.com/office/drawing/2014/main" id="{E38D2A08-DBF1-D633-67F7-A4BD5B4D32E7}"/>
+                <a16:creationId xmlns:a16="http://schemas.microsoft.com/office/drawing/2014/main" id="{296FEAF5-F7BF-5180-5F9E-FC8E248356C5}"/>
               </a:ext>
             </a:extLst>
           </p:cNvPr>
@@ -1949,7 +1949,7 @@
           <a:bodyPr/>
           <a:lstStyle/>
           <a:p>
-            <a:fld id="{D4EA22F5-A419-4041-BF06-4B7F2545F4E0}" type="datetimeFigureOut">
+            <a:fld id="{2703484D-F01A-442E-B047-0F562408840B}" type="datetimeFigureOut">
               <a:rPr lang="zh-CN" altLang="en-US" smtClean="0"/>
               <a:t>2024/3/10</a:t>
             </a:fld>
@@ -1962,7 +1962,7 @@
           <p:cNvPr id="4" name="页脚占位符 3">
             <a:extLst>
               <a:ext uri="{FF2B5EF4-FFF2-40B4-BE49-F238E27FC236}">
-                <a16:creationId xmlns:a16="http://schemas.microsoft.com/office/drawing/2014/main" id="{C81E0CE6-CF83-FCA8-A272-CFA1EDFC0F4E}"/>
+                <a16:creationId xmlns:a16="http://schemas.microsoft.com/office/drawing/2014/main" id="{5F739D76-A429-A24C-B0A7-33F3F0E61B24}"/>
               </a:ext>
             </a:extLst>
           </p:cNvPr>
@@ -1987,7 +1987,7 @@
           <p:cNvPr id="5" name="灯片编号占位符 4">
             <a:extLst>
               <a:ext uri="{FF2B5EF4-FFF2-40B4-BE49-F238E27FC236}">
-                <a16:creationId xmlns:a16="http://schemas.microsoft.com/office/drawing/2014/main" id="{15B333AB-4407-B864-1CC3-6CDF807D9783}"/>
+                <a16:creationId xmlns:a16="http://schemas.microsoft.com/office/drawing/2014/main" id="{AFA69686-F06E-0585-D38D-025E70AF29C2}"/>
               </a:ext>
             </a:extLst>
           </p:cNvPr>
@@ -2003,7 +2003,7 @@
           <a:bodyPr/>
           <a:lstStyle/>
           <a:p>
-            <a:fld id="{C4495F27-AC8D-4AF3-806C-F80CCE7F514B}" type="slidenum">
+            <a:fld id="{E17711D4-0405-49A1-8B1F-CE00E3C8947B}" type="slidenum">
               <a:rPr lang="zh-CN" altLang="en-US" smtClean="0"/>
               <a:t>‹#›</a:t>
             </a:fld>
@@ -2014,7 +2014,7 @@
     </p:spTree>
     <p:extLst>
       <p:ext uri="{BB962C8B-B14F-4D97-AF65-F5344CB8AC3E}">
-        <p14:creationId xmlns:p14="http://schemas.microsoft.com/office/powerpoint/2010/main" val="3311999549"/>
+        <p14:creationId xmlns:p14="http://schemas.microsoft.com/office/powerpoint/2010/main" val="36460149"/>
       </p:ext>
     </p:extLst>
   </p:cSld>
@@ -2046,7 +2046,7 @@
           <p:cNvPr id="2" name="日期占位符 1">
             <a:extLst>
               <a:ext uri="{FF2B5EF4-FFF2-40B4-BE49-F238E27FC236}">
-                <a16:creationId xmlns:a16="http://schemas.microsoft.com/office/drawing/2014/main" id="{C1354454-A34D-548A-B4C8-A144067C389A}"/>
+                <a16:creationId xmlns:a16="http://schemas.microsoft.com/office/drawing/2014/main" id="{1EAEAC25-6766-2589-B028-DB853310ADA8}"/>
               </a:ext>
             </a:extLst>
           </p:cNvPr>
@@ -2062,7 +2062,7 @@
           <a:bodyPr/>
           <a:lstStyle/>
           <a:p>
-            <a:fld id="{D4EA22F5-A419-4041-BF06-4B7F2545F4E0}" type="datetimeFigureOut">
+            <a:fld id="{2703484D-F01A-442E-B047-0F562408840B}" type="datetimeFigureOut">
               <a:rPr lang="zh-CN" altLang="en-US" smtClean="0"/>
               <a:t>2024/3/10</a:t>
             </a:fld>
@@ -2075,7 +2075,7 @@
           <p:cNvPr id="3" name="页脚占位符 2">
             <a:extLst>
               <a:ext uri="{FF2B5EF4-FFF2-40B4-BE49-F238E27FC236}">
-                <a16:creationId xmlns:a16="http://schemas.microsoft.com/office/drawing/2014/main" id="{F832878C-94CE-6D64-AA81-922806D11739}"/>
+                <a16:creationId xmlns:a16="http://schemas.microsoft.com/office/drawing/2014/main" id="{A8B8B5A5-C409-0C8A-9560-9F0C8B29275C}"/>
               </a:ext>
             </a:extLst>
           </p:cNvPr>
@@ -2100,7 +2100,7 @@
           <p:cNvPr id="4" name="灯片编号占位符 3">
             <a:extLst>
               <a:ext uri="{FF2B5EF4-FFF2-40B4-BE49-F238E27FC236}">
-                <a16:creationId xmlns:a16="http://schemas.microsoft.com/office/drawing/2014/main" id="{09070AD3-AD6A-3B2C-736C-6EAE82977B01}"/>
+                <a16:creationId xmlns:a16="http://schemas.microsoft.com/office/drawing/2014/main" id="{5030376B-8FD5-475F-EEF8-D55D9A328E1C}"/>
               </a:ext>
             </a:extLst>
           </p:cNvPr>
@@ -2116,7 +2116,7 @@
           <a:bodyPr/>
           <a:lstStyle/>
           <a:p>
-            <a:fld id="{C4495F27-AC8D-4AF3-806C-F80CCE7F514B}" type="slidenum">
+            <a:fld id="{E17711D4-0405-49A1-8B1F-CE00E3C8947B}" type="slidenum">
               <a:rPr lang="zh-CN" altLang="en-US" smtClean="0"/>
               <a:t>‹#›</a:t>
             </a:fld>
@@ -2127,7 +2127,7 @@
     </p:spTree>
     <p:extLst>
       <p:ext uri="{BB962C8B-B14F-4D97-AF65-F5344CB8AC3E}">
-        <p14:creationId xmlns:p14="http://schemas.microsoft.com/office/powerpoint/2010/main" val="3655438646"/>
+        <p14:creationId xmlns:p14="http://schemas.microsoft.com/office/powerpoint/2010/main" val="2536568993"/>
       </p:ext>
     </p:extLst>
   </p:cSld>
@@ -2159,7 +2159,7 @@
           <p:cNvPr id="2" name="标题 1">
             <a:extLst>
               <a:ext uri="{FF2B5EF4-FFF2-40B4-BE49-F238E27FC236}">
-                <a16:creationId xmlns:a16="http://schemas.microsoft.com/office/drawing/2014/main" id="{D0420E00-34EA-D667-F5EC-3ABFE196F884}"/>
+                <a16:creationId xmlns:a16="http://schemas.microsoft.com/office/drawing/2014/main" id="{4560EE58-D5F5-E3D2-FB7B-2D61EF554735}"/>
               </a:ext>
             </a:extLst>
           </p:cNvPr>
@@ -2196,7 +2196,7 @@
           <p:cNvPr id="3" name="内容占位符 2">
             <a:extLst>
               <a:ext uri="{FF2B5EF4-FFF2-40B4-BE49-F238E27FC236}">
-                <a16:creationId xmlns:a16="http://schemas.microsoft.com/office/drawing/2014/main" id="{EC74E28D-27DD-DE63-7A34-7CA7F8ED3E46}"/>
+                <a16:creationId xmlns:a16="http://schemas.microsoft.com/office/drawing/2014/main" id="{45AE201F-C3D4-63C5-7D00-1CA97D26E6AB}"/>
               </a:ext>
             </a:extLst>
           </p:cNvPr>
@@ -2286,7 +2286,7 @@
           <p:cNvPr id="4" name="文本占位符 3">
             <a:extLst>
               <a:ext uri="{FF2B5EF4-FFF2-40B4-BE49-F238E27FC236}">
-                <a16:creationId xmlns:a16="http://schemas.microsoft.com/office/drawing/2014/main" id="{A962D20E-ADE0-4C2C-935F-6FE4BA18297E}"/>
+                <a16:creationId xmlns:a16="http://schemas.microsoft.com/office/drawing/2014/main" id="{B60B9AFB-5280-443A-5C99-C043D0D54F29}"/>
               </a:ext>
             </a:extLst>
           </p:cNvPr>
@@ -2357,7 +2357,7 @@
           <p:cNvPr id="5" name="日期占位符 4">
             <a:extLst>
               <a:ext uri="{FF2B5EF4-FFF2-40B4-BE49-F238E27FC236}">
-                <a16:creationId xmlns:a16="http://schemas.microsoft.com/office/drawing/2014/main" id="{9DBF6A0C-8572-D2F0-73AD-0EB4E288CE1B}"/>
+                <a16:creationId xmlns:a16="http://schemas.microsoft.com/office/drawing/2014/main" id="{6F66D04C-8A09-E57B-D386-D3743A125E4E}"/>
               </a:ext>
             </a:extLst>
           </p:cNvPr>
@@ -2373,7 +2373,7 @@
           <a:bodyPr/>
           <a:lstStyle/>
           <a:p>
-            <a:fld id="{D4EA22F5-A419-4041-BF06-4B7F2545F4E0}" type="datetimeFigureOut">
+            <a:fld id="{2703484D-F01A-442E-B047-0F562408840B}" type="datetimeFigureOut">
               <a:rPr lang="zh-CN" altLang="en-US" smtClean="0"/>
               <a:t>2024/3/10</a:t>
             </a:fld>
@@ -2386,7 +2386,7 @@
           <p:cNvPr id="6" name="页脚占位符 5">
             <a:extLst>
               <a:ext uri="{FF2B5EF4-FFF2-40B4-BE49-F238E27FC236}">
-                <a16:creationId xmlns:a16="http://schemas.microsoft.com/office/drawing/2014/main" id="{B94A9D3A-D67E-5884-5819-3DA93F8B5042}"/>
+                <a16:creationId xmlns:a16="http://schemas.microsoft.com/office/drawing/2014/main" id="{F4EBB7BA-6D0B-618D-AD83-9EF2ECAA0352}"/>
               </a:ext>
             </a:extLst>
           </p:cNvPr>
@@ -2411,7 +2411,7 @@
           <p:cNvPr id="7" name="灯片编号占位符 6">
             <a:extLst>
               <a:ext uri="{FF2B5EF4-FFF2-40B4-BE49-F238E27FC236}">
-                <a16:creationId xmlns:a16="http://schemas.microsoft.com/office/drawing/2014/main" id="{F177D22B-45F1-75FE-7D25-DC6A4FCF8250}"/>
+                <a16:creationId xmlns:a16="http://schemas.microsoft.com/office/drawing/2014/main" id="{43E4B668-0AED-754A-F9A0-82442F1E6488}"/>
               </a:ext>
             </a:extLst>
           </p:cNvPr>
@@ -2427,7 +2427,7 @@
           <a:bodyPr/>
           <a:lstStyle/>
           <a:p>
-            <a:fld id="{C4495F27-AC8D-4AF3-806C-F80CCE7F514B}" type="slidenum">
+            <a:fld id="{E17711D4-0405-49A1-8B1F-CE00E3C8947B}" type="slidenum">
               <a:rPr lang="zh-CN" altLang="en-US" smtClean="0"/>
               <a:t>‹#›</a:t>
             </a:fld>
@@ -2438,7 +2438,7 @@
     </p:spTree>
     <p:extLst>
       <p:ext uri="{BB962C8B-B14F-4D97-AF65-F5344CB8AC3E}">
-        <p14:creationId xmlns:p14="http://schemas.microsoft.com/office/powerpoint/2010/main" val="1756583160"/>
+        <p14:creationId xmlns:p14="http://schemas.microsoft.com/office/powerpoint/2010/main" val="1634329933"/>
       </p:ext>
     </p:extLst>
   </p:cSld>
@@ -2470,7 +2470,7 @@
           <p:cNvPr id="2" name="标题 1">
             <a:extLst>
               <a:ext uri="{FF2B5EF4-FFF2-40B4-BE49-F238E27FC236}">
-                <a16:creationId xmlns:a16="http://schemas.microsoft.com/office/drawing/2014/main" id="{D1C97353-A8A4-D3A0-B995-016A31F4014D}"/>
+                <a16:creationId xmlns:a16="http://schemas.microsoft.com/office/drawing/2014/main" id="{F02AB25F-FAB0-4C6A-A343-06AFD43FB083}"/>
               </a:ext>
             </a:extLst>
           </p:cNvPr>
@@ -2507,7 +2507,7 @@
           <p:cNvPr id="3" name="图片占位符 2">
             <a:extLst>
               <a:ext uri="{FF2B5EF4-FFF2-40B4-BE49-F238E27FC236}">
-                <a16:creationId xmlns:a16="http://schemas.microsoft.com/office/drawing/2014/main" id="{C6BC26D1-64E6-69A9-F6A1-59F5982BFA73}"/>
+                <a16:creationId xmlns:a16="http://schemas.microsoft.com/office/drawing/2014/main" id="{C097E4B0-F699-62E3-724B-3B001CAA3CD1}"/>
               </a:ext>
             </a:extLst>
           </p:cNvPr>
@@ -2574,7 +2574,7 @@
           <p:cNvPr id="4" name="文本占位符 3">
             <a:extLst>
               <a:ext uri="{FF2B5EF4-FFF2-40B4-BE49-F238E27FC236}">
-                <a16:creationId xmlns:a16="http://schemas.microsoft.com/office/drawing/2014/main" id="{17219021-5DFA-EA80-1870-9975F035C728}"/>
+                <a16:creationId xmlns:a16="http://schemas.microsoft.com/office/drawing/2014/main" id="{1FB778F3-ED09-71FD-09F6-B6EBF6E16112}"/>
               </a:ext>
             </a:extLst>
           </p:cNvPr>
@@ -2645,7 +2645,7 @@
           <p:cNvPr id="5" name="日期占位符 4">
             <a:extLst>
               <a:ext uri="{FF2B5EF4-FFF2-40B4-BE49-F238E27FC236}">
-                <a16:creationId xmlns:a16="http://schemas.microsoft.com/office/drawing/2014/main" id="{01909C2C-C01D-BD65-43C3-2628B2C06FDF}"/>
+                <a16:creationId xmlns:a16="http://schemas.microsoft.com/office/drawing/2014/main" id="{D72F81FE-6E65-627E-5B1C-124ADC05B368}"/>
               </a:ext>
             </a:extLst>
           </p:cNvPr>
@@ -2661,7 +2661,7 @@
           <a:bodyPr/>
           <a:lstStyle/>
           <a:p>
-            <a:fld id="{D4EA22F5-A419-4041-BF06-4B7F2545F4E0}" type="datetimeFigureOut">
+            <a:fld id="{2703484D-F01A-442E-B047-0F562408840B}" type="datetimeFigureOut">
               <a:rPr lang="zh-CN" altLang="en-US" smtClean="0"/>
               <a:t>2024/3/10</a:t>
             </a:fld>
@@ -2674,7 +2674,7 @@
           <p:cNvPr id="6" name="页脚占位符 5">
             <a:extLst>
               <a:ext uri="{FF2B5EF4-FFF2-40B4-BE49-F238E27FC236}">
-                <a16:creationId xmlns:a16="http://schemas.microsoft.com/office/drawing/2014/main" id="{EF519DCB-28E9-BDF9-0739-2355313AA508}"/>
+                <a16:creationId xmlns:a16="http://schemas.microsoft.com/office/drawing/2014/main" id="{1747637E-0F9E-DAF9-DBA8-4C86DC0C81A0}"/>
               </a:ext>
             </a:extLst>
           </p:cNvPr>
@@ -2699,7 +2699,7 @@
           <p:cNvPr id="7" name="灯片编号占位符 6">
             <a:extLst>
               <a:ext uri="{FF2B5EF4-FFF2-40B4-BE49-F238E27FC236}">
-                <a16:creationId xmlns:a16="http://schemas.microsoft.com/office/drawing/2014/main" id="{95024FE3-9061-BC05-0D0B-1A13064437BB}"/>
+                <a16:creationId xmlns:a16="http://schemas.microsoft.com/office/drawing/2014/main" id="{394263FC-3F20-711B-B339-686B632C7419}"/>
               </a:ext>
             </a:extLst>
           </p:cNvPr>
@@ -2715,7 +2715,7 @@
           <a:bodyPr/>
           <a:lstStyle/>
           <a:p>
-            <a:fld id="{C4495F27-AC8D-4AF3-806C-F80CCE7F514B}" type="slidenum">
+            <a:fld id="{E17711D4-0405-49A1-8B1F-CE00E3C8947B}" type="slidenum">
               <a:rPr lang="zh-CN" altLang="en-US" smtClean="0"/>
               <a:t>‹#›</a:t>
             </a:fld>
@@ -2726,7 +2726,7 @@
     </p:spTree>
     <p:extLst>
       <p:ext uri="{BB962C8B-B14F-4D97-AF65-F5344CB8AC3E}">
-        <p14:creationId xmlns:p14="http://schemas.microsoft.com/office/powerpoint/2010/main" val="3865104074"/>
+        <p14:creationId xmlns:p14="http://schemas.microsoft.com/office/powerpoint/2010/main" val="3667628004"/>
       </p:ext>
     </p:extLst>
   </p:cSld>
@@ -2763,7 +2763,7 @@
           <p:cNvPr id="2" name="标题占位符 1">
             <a:extLst>
               <a:ext uri="{FF2B5EF4-FFF2-40B4-BE49-F238E27FC236}">
-                <a16:creationId xmlns:a16="http://schemas.microsoft.com/office/drawing/2014/main" id="{F843A3F0-5091-1307-2AB4-4A917CE7C6A9}"/>
+                <a16:creationId xmlns:a16="http://schemas.microsoft.com/office/drawing/2014/main" id="{BE700D3F-1F2A-9710-A7C9-12DFB353EE4C}"/>
               </a:ext>
             </a:extLst>
           </p:cNvPr>
@@ -2801,7 +2801,7 @@
           <p:cNvPr id="3" name="文本占位符 2">
             <a:extLst>
               <a:ext uri="{FF2B5EF4-FFF2-40B4-BE49-F238E27FC236}">
-                <a16:creationId xmlns:a16="http://schemas.microsoft.com/office/drawing/2014/main" id="{64454744-4020-EC08-3F5A-ECA9367A8A14}"/>
+                <a16:creationId xmlns:a16="http://schemas.microsoft.com/office/drawing/2014/main" id="{BAFFE30D-0ACB-BDD2-5F70-4AC4A9664FCB}"/>
               </a:ext>
             </a:extLst>
           </p:cNvPr>
@@ -2868,7 +2868,7 @@
           <p:cNvPr id="4" name="日期占位符 3">
             <a:extLst>
               <a:ext uri="{FF2B5EF4-FFF2-40B4-BE49-F238E27FC236}">
-                <a16:creationId xmlns:a16="http://schemas.microsoft.com/office/drawing/2014/main" id="{D948B1B5-1E7E-44F5-5037-BBAF70003BE6}"/>
+                <a16:creationId xmlns:a16="http://schemas.microsoft.com/office/drawing/2014/main" id="{3D73A1B3-2219-A2B9-5922-C467497D1ADD}"/>
               </a:ext>
             </a:extLst>
           </p:cNvPr>
@@ -2902,7 +2902,7 @@
             </a:lvl1pPr>
           </a:lstStyle>
           <a:p>
-            <a:fld id="{D4EA22F5-A419-4041-BF06-4B7F2545F4E0}" type="datetimeFigureOut">
+            <a:fld id="{2703484D-F01A-442E-B047-0F562408840B}" type="datetimeFigureOut">
               <a:rPr lang="zh-CN" altLang="en-US" smtClean="0"/>
               <a:t>2024/3/10</a:t>
             </a:fld>
@@ -2915,7 +2915,7 @@
           <p:cNvPr id="5" name="页脚占位符 4">
             <a:extLst>
               <a:ext uri="{FF2B5EF4-FFF2-40B4-BE49-F238E27FC236}">
-                <a16:creationId xmlns:a16="http://schemas.microsoft.com/office/drawing/2014/main" id="{4B7C62F6-5D1A-8969-2E59-E8E1D15A1278}"/>
+                <a16:creationId xmlns:a16="http://schemas.microsoft.com/office/drawing/2014/main" id="{0536EAB2-A25B-64AF-E414-8BB02BDFD0AA}"/>
               </a:ext>
             </a:extLst>
           </p:cNvPr>
@@ -2958,7 +2958,7 @@
           <p:cNvPr id="6" name="灯片编号占位符 5">
             <a:extLst>
               <a:ext uri="{FF2B5EF4-FFF2-40B4-BE49-F238E27FC236}">
-                <a16:creationId xmlns:a16="http://schemas.microsoft.com/office/drawing/2014/main" id="{1F61C352-5F6F-8A15-1443-CE25679CE53E}"/>
+                <a16:creationId xmlns:a16="http://schemas.microsoft.com/office/drawing/2014/main" id="{13A810E3-9EC8-9413-EDB4-23F983C3C1B6}"/>
               </a:ext>
             </a:extLst>
           </p:cNvPr>
@@ -2992,7 +2992,7 @@
             </a:lvl1pPr>
           </a:lstStyle>
           <a:p>
-            <a:fld id="{C4495F27-AC8D-4AF3-806C-F80CCE7F514B}" type="slidenum">
+            <a:fld id="{E17711D4-0405-49A1-8B1F-CE00E3C8947B}" type="slidenum">
               <a:rPr lang="zh-CN" altLang="en-US" smtClean="0"/>
               <a:t>‹#›</a:t>
             </a:fld>
@@ -3003,7 +3003,7 @@
     </p:spTree>
     <p:extLst>
       <p:ext uri="{BB962C8B-B14F-4D97-AF65-F5344CB8AC3E}">
-        <p14:creationId xmlns:p14="http://schemas.microsoft.com/office/powerpoint/2010/main" val="811678264"/>
+        <p14:creationId xmlns:p14="http://schemas.microsoft.com/office/powerpoint/2010/main" val="532742858"/>
       </p:ext>
     </p:extLst>
   </p:cSld>
